--- a/CS509 Final Presentation.pptx
+++ b/CS509 Final Presentation.pptx
@@ -362,7 +362,7 @@
             <a:fld id="{827A4261-4635-47BB-94E2-F0A7A05A553E}" type="datetimeFigureOut">
               <a:rPr lang="en-US" smtClean="0"/>
               <a:pPr/>
-              <a:t>5/6/2015</a:t>
+              <a:t>5/7/2015</a:t>
             </a:fld>
             <a:endParaRPr lang="en-US"/>
           </a:p>
@@ -587,7 +587,7 @@
             <a:fld id="{827A4261-4635-47BB-94E2-F0A7A05A553E}" type="datetimeFigureOut">
               <a:rPr lang="en-US" smtClean="0"/>
               <a:pPr/>
-              <a:t>5/6/2015</a:t>
+              <a:t>5/7/2015</a:t>
             </a:fld>
             <a:endParaRPr lang="en-US"/>
           </a:p>
@@ -869,7 +869,7 @@
             <a:fld id="{827A4261-4635-47BB-94E2-F0A7A05A553E}" type="datetimeFigureOut">
               <a:rPr lang="en-US" smtClean="0"/>
               <a:pPr/>
-              <a:t>5/6/2015</a:t>
+              <a:t>5/7/2015</a:t>
             </a:fld>
             <a:endParaRPr lang="en-US"/>
           </a:p>
@@ -1050,7 +1050,7 @@
             <a:fld id="{827A4261-4635-47BB-94E2-F0A7A05A553E}" type="datetimeFigureOut">
               <a:rPr lang="en-US" smtClean="0"/>
               <a:pPr/>
-              <a:t>5/6/2015</a:t>
+              <a:t>5/7/2015</a:t>
             </a:fld>
             <a:endParaRPr lang="en-US"/>
           </a:p>
@@ -1405,7 +1405,7 @@
             <a:fld id="{827A4261-4635-47BB-94E2-F0A7A05A553E}" type="datetimeFigureOut">
               <a:rPr lang="en-US" smtClean="0"/>
               <a:pPr/>
-              <a:t>5/6/2015</a:t>
+              <a:t>5/7/2015</a:t>
             </a:fld>
             <a:endParaRPr lang="en-US"/>
           </a:p>
@@ -1694,7 +1694,7 @@
             <a:fld id="{827A4261-4635-47BB-94E2-F0A7A05A553E}" type="datetimeFigureOut">
               <a:rPr lang="en-US" smtClean="0"/>
               <a:pPr/>
-              <a:t>5/6/2015</a:t>
+              <a:t>5/7/2015</a:t>
             </a:fld>
             <a:endParaRPr lang="en-US"/>
           </a:p>
@@ -2118,7 +2118,7 @@
             <a:fld id="{827A4261-4635-47BB-94E2-F0A7A05A553E}" type="datetimeFigureOut">
               <a:rPr lang="en-US" smtClean="0"/>
               <a:pPr/>
-              <a:t>5/6/2015</a:t>
+              <a:t>5/7/2015</a:t>
             </a:fld>
             <a:endParaRPr lang="en-US"/>
           </a:p>
@@ -2235,7 +2235,7 @@
             <a:fld id="{827A4261-4635-47BB-94E2-F0A7A05A553E}" type="datetimeFigureOut">
               <a:rPr lang="en-US" smtClean="0"/>
               <a:pPr/>
-              <a:t>5/6/2015</a:t>
+              <a:t>5/7/2015</a:t>
             </a:fld>
             <a:endParaRPr lang="en-US"/>
           </a:p>
@@ -2327,7 +2327,7 @@
             <a:fld id="{827A4261-4635-47BB-94E2-F0A7A05A553E}" type="datetimeFigureOut">
               <a:rPr lang="en-US" smtClean="0"/>
               <a:pPr/>
-              <a:t>5/6/2015</a:t>
+              <a:t>5/7/2015</a:t>
             </a:fld>
             <a:endParaRPr lang="en-US"/>
           </a:p>
@@ -2607,7 +2607,7 @@
             <a:fld id="{827A4261-4635-47BB-94E2-F0A7A05A553E}" type="datetimeFigureOut">
               <a:rPr lang="en-US" smtClean="0"/>
               <a:pPr/>
-              <a:t>5/6/2015</a:t>
+              <a:t>5/7/2015</a:t>
             </a:fld>
             <a:endParaRPr lang="en-US"/>
           </a:p>
@@ -2970,7 +2970,7 @@
             <a:fld id="{827A4261-4635-47BB-94E2-F0A7A05A553E}" type="datetimeFigureOut">
               <a:rPr lang="en-US" smtClean="0"/>
               <a:pPr/>
-              <a:t>5/6/2015</a:t>
+              <a:t>5/7/2015</a:t>
             </a:fld>
             <a:endParaRPr lang="en-US"/>
           </a:p>
@@ -3409,7 +3409,7 @@
             <a:fld id="{827A4261-4635-47BB-94E2-F0A7A05A553E}" type="datetimeFigureOut">
               <a:rPr lang="en-US" smtClean="0"/>
               <a:pPr/>
-              <a:t>5/6/2015</a:t>
+              <a:t>5/7/2015</a:t>
             </a:fld>
             <a:endParaRPr lang="en-US"/>
           </a:p>
@@ -3876,17 +3876,11 @@
           <a:p>
             <a:r>
               <a:rPr lang="en-US" dirty="0" smtClean="0"/>
-              <a:t>Brian </a:t>
+              <a:t>Spring </a:t>
             </a:r>
             <a:r>
               <a:rPr lang="en-US" dirty="0" smtClean="0"/>
-              <a:t>Rankin</a:t>
-            </a:r>
-          </a:p>
-          <a:p>
-            <a:r>
-              <a:rPr lang="en-US" dirty="0" smtClean="0"/>
-              <a:t>Spring 2013</a:t>
+              <a:t>2013</a:t>
             </a:r>
             <a:endParaRPr lang="en-US" dirty="0"/>
           </a:p>
